--- a/[Version 2] Project 3 - New Markets - Tatiana & Yuchen.pptx
+++ b/[Version 2] Project 3 - New Markets - Tatiana & Yuchen.pptx
@@ -5,14 +5,15 @@
     <p:sldMasterId id="2147483648" r:id="rId1"/>
   </p:sldMasterIdLst>
   <p:notesMasterIdLst>
-    <p:notesMasterId r:id="rId7"/>
+    <p:notesMasterId r:id="rId8"/>
   </p:notesMasterIdLst>
   <p:sldIdLst>
     <p:sldId id="256" r:id="rId2"/>
     <p:sldId id="257" r:id="rId3"/>
     <p:sldId id="258" r:id="rId4"/>
     <p:sldId id="260" r:id="rId5"/>
-    <p:sldId id="261" r:id="rId6"/>
+    <p:sldId id="262" r:id="rId6"/>
+    <p:sldId id="261" r:id="rId7"/>
   </p:sldIdLst>
   <p:sldSz cx="12192000" cy="6858000"/>
   <p:notesSz cx="6858000" cy="9144000"/>
@@ -201,7 +202,7 @@
           <a:p>
             <a:fld id="{08E20F89-B5B2-0245-84A4-0DBE232CF262}" type="datetimeFigureOut">
               <a:rPr lang="fr-FR" smtClean="0"/>
-              <a:t>30/04/2023</a:t>
+              <a:t>01/05/2023</a:t>
             </a:fld>
             <a:endParaRPr lang="fr-FR"/>
           </a:p>
@@ -814,7 +815,7 @@
             <a:fld id="{87DE6118-2437-4B30-8E3C-4D2BE6020583}" type="datetimeFigureOut">
               <a:rPr lang="en-US" dirty="0"/>
               <a:pPr/>
-              <a:t>4/30/23</a:t>
+              <a:t>5/1/23</a:t>
             </a:fld>
             <a:endParaRPr lang="en-US" dirty="0"/>
           </a:p>
@@ -1140,7 +1141,7 @@
           <a:p>
             <a:fld id="{87DE6118-2437-4B30-8E3C-4D2BE6020583}" type="datetimeFigureOut">
               <a:rPr lang="en-US" dirty="0"/>
-              <a:t>4/30/23</a:t>
+              <a:t>5/1/23</a:t>
             </a:fld>
             <a:endParaRPr lang="en-US" dirty="0"/>
           </a:p>
@@ -1315,7 +1316,7 @@
           <a:p>
             <a:fld id="{87DE6118-2437-4B30-8E3C-4D2BE6020583}" type="datetimeFigureOut">
               <a:rPr lang="en-US" dirty="0"/>
-              <a:t>4/30/23</a:t>
+              <a:t>5/1/23</a:t>
             </a:fld>
             <a:endParaRPr lang="en-US" dirty="0"/>
           </a:p>
@@ -1480,7 +1481,7 @@
           <a:p>
             <a:fld id="{87DE6118-2437-4B30-8E3C-4D2BE6020583}" type="datetimeFigureOut">
               <a:rPr lang="en-US" dirty="0"/>
-              <a:t>4/30/23</a:t>
+              <a:t>5/1/23</a:t>
             </a:fld>
             <a:endParaRPr lang="en-US" dirty="0"/>
           </a:p>
@@ -1753,7 +1754,7 @@
             <a:fld id="{87DE6118-2437-4B30-8E3C-4D2BE6020583}" type="datetimeFigureOut">
               <a:rPr lang="en-US" dirty="0"/>
               <a:pPr/>
-              <a:t>4/30/23</a:t>
+              <a:t>5/1/23</a:t>
             </a:fld>
             <a:endParaRPr lang="en-US" dirty="0"/>
           </a:p>
@@ -2143,7 +2144,7 @@
           <a:p>
             <a:fld id="{87DE6118-2437-4B30-8E3C-4D2BE6020583}" type="datetimeFigureOut">
               <a:rPr lang="en-US" dirty="0"/>
-              <a:t>4/30/23</a:t>
+              <a:t>5/1/23</a:t>
             </a:fld>
             <a:endParaRPr lang="en-US" dirty="0"/>
           </a:p>
@@ -2615,7 +2616,7 @@
           <a:p>
             <a:fld id="{87DE6118-2437-4B30-8E3C-4D2BE6020583}" type="datetimeFigureOut">
               <a:rPr lang="en-US" dirty="0"/>
-              <a:t>4/30/23</a:t>
+              <a:t>5/1/23</a:t>
             </a:fld>
             <a:endParaRPr lang="en-US" dirty="0"/>
           </a:p>
@@ -2728,7 +2729,7 @@
           <a:p>
             <a:fld id="{87DE6118-2437-4B30-8E3C-4D2BE6020583}" type="datetimeFigureOut">
               <a:rPr lang="en-US" dirty="0"/>
-              <a:t>4/30/23</a:t>
+              <a:t>5/1/23</a:t>
             </a:fld>
             <a:endParaRPr lang="en-US" dirty="0"/>
           </a:p>
@@ -2818,7 +2819,7 @@
           <a:p>
             <a:fld id="{87DE6118-2437-4B30-8E3C-4D2BE6020583}" type="datetimeFigureOut">
               <a:rPr lang="en-US" dirty="0"/>
-              <a:t>4/30/23</a:t>
+              <a:t>5/1/23</a:t>
             </a:fld>
             <a:endParaRPr lang="en-US" dirty="0"/>
           </a:p>
@@ -3160,7 +3161,7 @@
             <a:fld id="{87DE6118-2437-4B30-8E3C-4D2BE6020583}" type="datetimeFigureOut">
               <a:rPr lang="en-US" dirty="0"/>
               <a:pPr/>
-              <a:t>4/30/23</a:t>
+              <a:t>5/1/23</a:t>
             </a:fld>
             <a:endParaRPr lang="en-US" dirty="0"/>
           </a:p>
@@ -3545,7 +3546,7 @@
             <a:fld id="{87DE6118-2437-4B30-8E3C-4D2BE6020583}" type="datetimeFigureOut">
               <a:rPr lang="en-US" dirty="0"/>
               <a:pPr/>
-              <a:t>4/30/23</a:t>
+              <a:t>5/1/23</a:t>
             </a:fld>
             <a:endParaRPr lang="en-US" dirty="0"/>
           </a:p>
@@ -3820,7 +3821,7 @@
             <a:fld id="{87DE6118-2437-4B30-8E3C-4D2BE6020583}" type="datetimeFigureOut">
               <a:rPr lang="en-US" dirty="0"/>
               <a:pPr/>
-              <a:t>4/30/23</a:t>
+              <a:t>5/1/23</a:t>
             </a:fld>
             <a:endParaRPr lang="en-US" dirty="0"/>
           </a:p>
@@ -4939,7 +4940,7 @@
         </p:spPr>
         <p:txBody>
           <a:bodyPr vert="horz" lIns="72000" tIns="45720" rIns="0" bIns="45720" numCol="2" rtlCol="0">
-            <a:normAutofit/>
+            <a:normAutofit lnSpcReduction="10000"/>
           </a:bodyPr>
           <a:lstStyle>
             <a:lvl1pPr marL="384048" indent="-384048" algn="l" defTabSz="914400" rtl="0" eaLnBrk="1" latinLnBrk="0" hangingPunct="1">
@@ -5582,12 +5583,14 @@
         </p:nvSpPr>
         <p:spPr>
           <a:xfrm>
-            <a:off x="883085" y="890131"/>
-            <a:ext cx="9601200" cy="4663986"/>
+            <a:off x="883085" y="890130"/>
+            <a:ext cx="9117258" cy="5967869"/>
           </a:xfrm>
         </p:spPr>
         <p:txBody>
-          <a:bodyPr/>
+          <a:bodyPr>
+            <a:normAutofit/>
+          </a:bodyPr>
           <a:lstStyle/>
           <a:p>
             <a:r>
@@ -5642,44 +5645,40 @@
           </a:p>
           <a:p>
             <a:r>
-              <a:rPr lang="fr-FR" altLang="zh-CN" b="1" i="1" dirty="0"/>
+              <a:rPr lang="fr-FR" altLang="zh-CN" b="1" dirty="0"/>
               <a:t>High </a:t>
             </a:r>
             <a:r>
-              <a:rPr lang="fr-FR" altLang="zh-CN" b="1" i="1" dirty="0" err="1"/>
+              <a:rPr lang="fr-FR" altLang="zh-CN" b="1" dirty="0" err="1"/>
               <a:t>spending</a:t>
             </a:r>
             <a:r>
-              <a:rPr lang="fr-FR" altLang="zh-CN" b="1" i="1" dirty="0"/>
+              <a:rPr lang="fr-FR" altLang="zh-CN" b="1" dirty="0"/>
               <a:t> </a:t>
             </a:r>
             <a:r>
-              <a:rPr lang="fr-FR" altLang="zh-CN" b="1" i="1" dirty="0" err="1"/>
+              <a:rPr lang="fr-FR" altLang="zh-CN" b="1" dirty="0" err="1"/>
               <a:t>costumers</a:t>
             </a:r>
             <a:r>
-              <a:rPr lang="fr-FR" altLang="zh-CN" b="1" i="1" dirty="0"/>
+              <a:rPr lang="fr-FR" altLang="zh-CN" b="1" dirty="0"/>
               <a:t> (</a:t>
             </a:r>
             <a:r>
-              <a:rPr lang="fr-FR" altLang="zh-CN" b="1" i="1" dirty="0" err="1"/>
+              <a:rPr lang="fr-FR" altLang="zh-CN" b="1" dirty="0" err="1"/>
               <a:t>our</a:t>
             </a:r>
             <a:r>
-              <a:rPr lang="fr-FR" altLang="zh-CN" b="1" i="1" dirty="0"/>
+              <a:rPr lang="fr-FR" altLang="zh-CN" b="1" dirty="0"/>
               <a:t> new </a:t>
             </a:r>
             <a:r>
-              <a:rPr lang="fr-FR" altLang="zh-CN" b="1" i="1" dirty="0" err="1"/>
+              <a:rPr lang="fr-FR" altLang="zh-CN" b="1" dirty="0" err="1"/>
               <a:t>market</a:t>
             </a:r>
             <a:r>
-              <a:rPr lang="fr-FR" altLang="zh-CN" b="1" i="1" dirty="0"/>
-              <a:t>) </a:t>
-            </a:r>
-            <a:r>
-              <a:rPr lang="fr-FR" altLang="zh-CN" dirty="0"/>
-              <a:t>: </a:t>
+              <a:rPr lang="fr-FR" altLang="zh-CN" b="1" dirty="0"/>
+              <a:t>) : </a:t>
             </a:r>
           </a:p>
           <a:p>
@@ -5716,7 +5715,7 @@
               <a:t> size +2, </a:t>
             </a:r>
             <a:r>
-              <a:rPr lang="fr-FR" altLang="zh-CN" dirty="0" err="1"/>
+              <a:rPr lang="fr-FR" altLang="zh-CN" b="1" dirty="0" err="1"/>
               <a:t>older</a:t>
             </a:r>
             <a:r>
@@ -5767,10 +5766,7 @@
               <a:rPr lang="fr-FR" altLang="zh-CN" i="1" dirty="0" err="1"/>
               <a:t>spenders</a:t>
             </a:r>
-            <a:r>
-              <a:rPr lang="fr-FR" altLang="zh-CN" dirty="0"/>
-              <a:t>) </a:t>
-            </a:r>
+            <a:endParaRPr lang="fr-FR" altLang="zh-CN" dirty="0"/>
           </a:p>
           <a:p>
             <a:pPr>
@@ -5857,58 +5853,6 @@
               <a:rPr lang="fr-FR" i="1" dirty="0"/>
               <a:t> w/ graduation</a:t>
             </a:r>
-            <a:endParaRPr lang="fr-FR" altLang="zh-CN" dirty="0"/>
-          </a:p>
-          <a:p>
-            <a:r>
-              <a:rPr lang="fr-FR" altLang="zh-CN" dirty="0"/>
-              <a:t>A clean </a:t>
-            </a:r>
-            <a:r>
-              <a:rPr lang="fr-FR" altLang="zh-CN" dirty="0" err="1"/>
-              <a:t>dataset</a:t>
-            </a:r>
-            <a:r>
-              <a:rPr lang="fr-FR" altLang="zh-CN" dirty="0"/>
-              <a:t> </a:t>
-            </a:r>
-            <a:r>
-              <a:rPr lang="fr-FR" altLang="zh-CN" dirty="0" err="1"/>
-              <a:t>that</a:t>
-            </a:r>
-            <a:r>
-              <a:rPr lang="fr-FR" altLang="zh-CN" dirty="0"/>
-              <a:t> </a:t>
-            </a:r>
-            <a:r>
-              <a:rPr lang="fr-FR" altLang="zh-CN" dirty="0" err="1"/>
-              <a:t>can</a:t>
-            </a:r>
-            <a:r>
-              <a:rPr lang="fr-FR" altLang="zh-CN" dirty="0"/>
-              <a:t> </a:t>
-            </a:r>
-            <a:r>
-              <a:rPr lang="fr-FR" altLang="zh-CN" dirty="0" err="1"/>
-              <a:t>be</a:t>
-            </a:r>
-            <a:r>
-              <a:rPr lang="fr-FR" altLang="zh-CN" dirty="0"/>
-              <a:t> </a:t>
-            </a:r>
-            <a:r>
-              <a:rPr lang="fr-FR" altLang="zh-CN" dirty="0" err="1"/>
-              <a:t>further</a:t>
-            </a:r>
-            <a:r>
-              <a:rPr lang="fr-FR" altLang="zh-CN" dirty="0"/>
-              <a:t> </a:t>
-            </a:r>
-            <a:r>
-              <a:rPr lang="fr-FR" altLang="zh-CN" dirty="0" err="1"/>
-              <a:t>analyzed</a:t>
-            </a:r>
-            <a:endParaRPr lang="fr-FR" altLang="zh-CN" dirty="0"/>
           </a:p>
           <a:p>
             <a:pPr marL="0" indent="0">
@@ -5946,7 +5890,7 @@
           <a:graphicData uri="http://schemas.openxmlformats.org/presentationml/2006/ole">
             <mc:AlternateContent xmlns:mc="http://schemas.openxmlformats.org/markup-compatibility/2006">
               <mc:Choice xmlns:v="urn:schemas-microsoft-com:vml" Requires="v">
-                <p:oleObj spid="_x0000_s1027" name="Worksheet" r:id="rId3" imgW="6273800" imgH="1727200" progId="Excel.Sheet.12">
+                <p:oleObj spid="_x0000_s1029" name="Worksheet" r:id="rId3" imgW="6273800" imgH="1727200" progId="Excel.Sheet.12">
                   <p:embed/>
                 </p:oleObj>
               </mc:Choice>
@@ -5995,6 +5939,259 @@
 </file>
 
 <file path=ppt/slides/slide5.xml><?xml version="1.0" encoding="utf-8"?>
+<p:sld xmlns:a="http://schemas.openxmlformats.org/drawingml/2006/main" xmlns:r="http://schemas.openxmlformats.org/officeDocument/2006/relationships" xmlns:p="http://schemas.openxmlformats.org/presentationml/2006/main">
+  <p:cSld>
+    <p:spTree>
+      <p:nvGrpSpPr>
+        <p:cNvPr id="1" name=""/>
+        <p:cNvGrpSpPr/>
+        <p:nvPr/>
+      </p:nvGrpSpPr>
+      <p:grpSpPr>
+        <a:xfrm>
+          <a:off x="0" y="0"/>
+          <a:ext cx="0" cy="0"/>
+          <a:chOff x="0" y="0"/>
+          <a:chExt cx="0" cy="0"/>
+        </a:xfrm>
+      </p:grpSpPr>
+      <p:sp>
+        <p:nvSpPr>
+          <p:cNvPr id="2" name="Title 1">
+            <a:extLst>
+              <a:ext uri="{FF2B5EF4-FFF2-40B4-BE49-F238E27FC236}">
+                <a16:creationId xmlns:a16="http://schemas.microsoft.com/office/drawing/2014/main" id="{241FE5CC-5106-FF4A-9965-8991483F4815}"/>
+              </a:ext>
+            </a:extLst>
+          </p:cNvPr>
+          <p:cNvSpPr>
+            <a:spLocks noGrp="1"/>
+          </p:cNvSpPr>
+          <p:nvPr>
+            <p:ph type="title"/>
+          </p:nvPr>
+        </p:nvSpPr>
+        <p:spPr>
+          <a:xfrm>
+            <a:off x="883085" y="147181"/>
+            <a:ext cx="9601200" cy="1485900"/>
+          </a:xfrm>
+        </p:spPr>
+        <p:txBody>
+          <a:bodyPr>
+            <a:normAutofit/>
+          </a:bodyPr>
+          <a:lstStyle/>
+          <a:p>
+            <a:r>
+              <a:rPr lang="fr-FR" dirty="0" err="1"/>
+              <a:t>Results</a:t>
+            </a:r>
+            <a:r>
+              <a:rPr lang="fr-FR" dirty="0"/>
+              <a:t> </a:t>
+            </a:r>
+            <a:endParaRPr lang="en-US" dirty="0"/>
+          </a:p>
+        </p:txBody>
+      </p:sp>
+      <p:sp>
+        <p:nvSpPr>
+          <p:cNvPr id="3" name="Content Placeholder 2">
+            <a:extLst>
+              <a:ext uri="{FF2B5EF4-FFF2-40B4-BE49-F238E27FC236}">
+                <a16:creationId xmlns:a16="http://schemas.microsoft.com/office/drawing/2014/main" id="{3EF8C95A-D460-5A4C-A514-347537FC5204}"/>
+              </a:ext>
+            </a:extLst>
+          </p:cNvPr>
+          <p:cNvSpPr>
+            <a:spLocks noGrp="1"/>
+          </p:cNvSpPr>
+          <p:nvPr>
+            <p:ph idx="1"/>
+          </p:nvPr>
+        </p:nvSpPr>
+        <p:spPr>
+          <a:xfrm>
+            <a:off x="883085" y="890130"/>
+            <a:ext cx="10946058" cy="5967869"/>
+          </a:xfrm>
+        </p:spPr>
+        <p:txBody>
+          <a:bodyPr>
+            <a:normAutofit/>
+          </a:bodyPr>
+          <a:lstStyle/>
+          <a:p>
+            <a:r>
+              <a:rPr lang="fr-FR" altLang="zh-CN" dirty="0"/>
+              <a:t>Age </a:t>
+            </a:r>
+            <a:r>
+              <a:rPr lang="fr-FR" altLang="zh-CN" dirty="0" err="1"/>
+              <a:t>difference</a:t>
+            </a:r>
+            <a:r>
+              <a:rPr lang="fr-FR" altLang="zh-CN" dirty="0"/>
+              <a:t> – in MySQL ! </a:t>
+            </a:r>
+          </a:p>
+          <a:p>
+            <a:pPr marL="0" indent="0">
+              <a:buNone/>
+            </a:pPr>
+            <a:endParaRPr lang="fr-FR" altLang="zh-CN" dirty="0"/>
+          </a:p>
+          <a:p>
+            <a:pPr marL="0" indent="0">
+              <a:buNone/>
+            </a:pPr>
+            <a:endParaRPr lang="fr-FR" altLang="zh-CN" dirty="0"/>
+          </a:p>
+          <a:p>
+            <a:pPr marL="0" indent="0">
+              <a:buNone/>
+            </a:pPr>
+            <a:endParaRPr lang="fr-FR" altLang="zh-CN" dirty="0"/>
+          </a:p>
+          <a:p>
+            <a:pPr marL="0" indent="0">
+              <a:buNone/>
+            </a:pPr>
+            <a:endParaRPr lang="fr-FR" altLang="zh-CN" dirty="0"/>
+          </a:p>
+          <a:p>
+            <a:r>
+              <a:rPr lang="fr-FR" altLang="zh-CN" dirty="0"/>
+              <a:t>A clean </a:t>
+            </a:r>
+            <a:r>
+              <a:rPr lang="fr-FR" altLang="zh-CN" dirty="0" err="1"/>
+              <a:t>dataset</a:t>
+            </a:r>
+            <a:r>
+              <a:rPr lang="fr-FR" altLang="zh-CN" dirty="0"/>
+              <a:t> </a:t>
+            </a:r>
+            <a:r>
+              <a:rPr lang="fr-FR" altLang="zh-CN" dirty="0" err="1"/>
+              <a:t>that</a:t>
+            </a:r>
+            <a:r>
+              <a:rPr lang="fr-FR" altLang="zh-CN" dirty="0"/>
+              <a:t> </a:t>
+            </a:r>
+            <a:r>
+              <a:rPr lang="fr-FR" altLang="zh-CN" dirty="0" err="1"/>
+              <a:t>can</a:t>
+            </a:r>
+            <a:r>
+              <a:rPr lang="fr-FR" altLang="zh-CN" dirty="0"/>
+              <a:t> </a:t>
+            </a:r>
+            <a:r>
+              <a:rPr lang="fr-FR" altLang="zh-CN" dirty="0" err="1"/>
+              <a:t>be</a:t>
+            </a:r>
+            <a:r>
+              <a:rPr lang="fr-FR" altLang="zh-CN" dirty="0"/>
+              <a:t> </a:t>
+            </a:r>
+            <a:r>
+              <a:rPr lang="fr-FR" altLang="zh-CN" dirty="0" err="1"/>
+              <a:t>further</a:t>
+            </a:r>
+            <a:r>
+              <a:rPr lang="fr-FR" altLang="zh-CN" dirty="0"/>
+              <a:t> </a:t>
+            </a:r>
+            <a:r>
+              <a:rPr lang="fr-FR" altLang="zh-CN" dirty="0" err="1"/>
+              <a:t>analyzed</a:t>
+            </a:r>
+            <a:endParaRPr lang="fr-FR" altLang="zh-CN" dirty="0"/>
+          </a:p>
+          <a:p>
+            <a:pPr marL="0" indent="0">
+              <a:buNone/>
+            </a:pPr>
+            <a:endParaRPr lang="fr-FR" altLang="zh-CN" dirty="0"/>
+          </a:p>
+        </p:txBody>
+      </p:sp>
+      <p:pic>
+        <p:nvPicPr>
+          <p:cNvPr id="6" name="Picture 5">
+            <a:extLst>
+              <a:ext uri="{FF2B5EF4-FFF2-40B4-BE49-F238E27FC236}">
+                <a16:creationId xmlns:a16="http://schemas.microsoft.com/office/drawing/2014/main" id="{FD9455B3-A399-5345-8075-5E5484F0B89D}"/>
+              </a:ext>
+            </a:extLst>
+          </p:cNvPr>
+          <p:cNvPicPr>
+            <a:picLocks noChangeAspect="1"/>
+          </p:cNvPicPr>
+          <p:nvPr/>
+        </p:nvPicPr>
+        <p:blipFill rotWithShape="1">
+          <a:blip r:embed="rId2"/>
+          <a:srcRect t="15139"/>
+          <a:stretch/>
+        </p:blipFill>
+        <p:spPr>
+          <a:xfrm>
+            <a:off x="995836" y="3545715"/>
+            <a:ext cx="9541219" cy="3312284"/>
+          </a:xfrm>
+          <a:prstGeom prst="rect">
+            <a:avLst/>
+          </a:prstGeom>
+        </p:spPr>
+      </p:pic>
+      <p:pic>
+        <p:nvPicPr>
+          <p:cNvPr id="8" name="Picture 7">
+            <a:extLst>
+              <a:ext uri="{FF2B5EF4-FFF2-40B4-BE49-F238E27FC236}">
+                <a16:creationId xmlns:a16="http://schemas.microsoft.com/office/drawing/2014/main" id="{D8B99E93-5AE5-624B-9EA4-FA8A25266CCE}"/>
+              </a:ext>
+            </a:extLst>
+          </p:cNvPr>
+          <p:cNvPicPr>
+            <a:picLocks noChangeAspect="1"/>
+          </p:cNvPicPr>
+          <p:nvPr/>
+        </p:nvPicPr>
+        <p:blipFill>
+          <a:blip r:embed="rId3"/>
+          <a:stretch>
+            <a:fillRect/>
+          </a:stretch>
+        </p:blipFill>
+        <p:spPr>
+          <a:xfrm>
+            <a:off x="4688111" y="147181"/>
+            <a:ext cx="5033369" cy="2844948"/>
+          </a:xfrm>
+          <a:prstGeom prst="rect">
+            <a:avLst/>
+          </a:prstGeom>
+        </p:spPr>
+      </p:pic>
+    </p:spTree>
+    <p:extLst>
+      <p:ext uri="{BB962C8B-B14F-4D97-AF65-F5344CB8AC3E}">
+        <p14:creationId xmlns:p14="http://schemas.microsoft.com/office/powerpoint/2010/main" val="3763220595"/>
+      </p:ext>
+    </p:extLst>
+  </p:cSld>
+  <p:clrMapOvr>
+    <a:masterClrMapping/>
+  </p:clrMapOvr>
+</p:sld>
+</file>
+
+<file path=ppt/slides/slide6.xml><?xml version="1.0" encoding="utf-8"?>
 <p:sld xmlns:a="http://schemas.openxmlformats.org/drawingml/2006/main" xmlns:r="http://schemas.openxmlformats.org/officeDocument/2006/relationships" xmlns:p="http://schemas.openxmlformats.org/presentationml/2006/main">
   <p:cSld>
     <p:spTree>

--- a/[Version 2] Project 3 - New Markets - Tatiana & Yuchen.pptx
+++ b/[Version 2] Project 3 - New Markets - Tatiana & Yuchen.pptx
@@ -5890,7 +5890,7 @@
           <a:graphicData uri="http://schemas.openxmlformats.org/presentationml/2006/ole">
             <mc:AlternateContent xmlns:mc="http://schemas.openxmlformats.org/markup-compatibility/2006">
               <mc:Choice xmlns:v="urn:schemas-microsoft-com:vml" Requires="v">
-                <p:oleObj spid="_x0000_s1029" name="Worksheet" r:id="rId3" imgW="6273800" imgH="1727200" progId="Excel.Sheet.12">
+                <p:oleObj spid="_x0000_s1030" name="Worksheet" r:id="rId3" imgW="6273800" imgH="1727200" progId="Excel.Sheet.12">
                   <p:embed/>
                 </p:oleObj>
               </mc:Choice>
